--- a/MCBIOS tutorial introduction.pptx
+++ b/MCBIOS tutorial introduction.pptx
@@ -263,7 +263,7 @@
           <a:p>
             <a:fld id="{B67FA609-E5F9-4043-B85C-96D162B82EC6}" type="datetimeFigureOut">
               <a:rPr lang="en-US" smtClean="0"/>
-              <a:t>3/26/19</a:t>
+              <a:t>3/28/19</a:t>
             </a:fld>
             <a:endParaRPr lang="en-US"/>
           </a:p>
@@ -461,7 +461,7 @@
           <a:p>
             <a:fld id="{B67FA609-E5F9-4043-B85C-96D162B82EC6}" type="datetimeFigureOut">
               <a:rPr lang="en-US" smtClean="0"/>
-              <a:t>3/26/19</a:t>
+              <a:t>3/28/19</a:t>
             </a:fld>
             <a:endParaRPr lang="en-US"/>
           </a:p>
@@ -669,7 +669,7 @@
           <a:p>
             <a:fld id="{B67FA609-E5F9-4043-B85C-96D162B82EC6}" type="datetimeFigureOut">
               <a:rPr lang="en-US" smtClean="0"/>
-              <a:t>3/26/19</a:t>
+              <a:t>3/28/19</a:t>
             </a:fld>
             <a:endParaRPr lang="en-US"/>
           </a:p>
@@ -867,7 +867,7 @@
           <a:p>
             <a:fld id="{B67FA609-E5F9-4043-B85C-96D162B82EC6}" type="datetimeFigureOut">
               <a:rPr lang="en-US" smtClean="0"/>
-              <a:t>3/26/19</a:t>
+              <a:t>3/28/19</a:t>
             </a:fld>
             <a:endParaRPr lang="en-US"/>
           </a:p>
@@ -1142,7 +1142,7 @@
           <a:p>
             <a:fld id="{B67FA609-E5F9-4043-B85C-96D162B82EC6}" type="datetimeFigureOut">
               <a:rPr lang="en-US" smtClean="0"/>
-              <a:t>3/26/19</a:t>
+              <a:t>3/28/19</a:t>
             </a:fld>
             <a:endParaRPr lang="en-US"/>
           </a:p>
@@ -1407,7 +1407,7 @@
           <a:p>
             <a:fld id="{B67FA609-E5F9-4043-B85C-96D162B82EC6}" type="datetimeFigureOut">
               <a:rPr lang="en-US" smtClean="0"/>
-              <a:t>3/26/19</a:t>
+              <a:t>3/28/19</a:t>
             </a:fld>
             <a:endParaRPr lang="en-US"/>
           </a:p>
@@ -1819,7 +1819,7 @@
           <a:p>
             <a:fld id="{B67FA609-E5F9-4043-B85C-96D162B82EC6}" type="datetimeFigureOut">
               <a:rPr lang="en-US" smtClean="0"/>
-              <a:t>3/26/19</a:t>
+              <a:t>3/28/19</a:t>
             </a:fld>
             <a:endParaRPr lang="en-US"/>
           </a:p>
@@ -1960,7 +1960,7 @@
           <a:p>
             <a:fld id="{B67FA609-E5F9-4043-B85C-96D162B82EC6}" type="datetimeFigureOut">
               <a:rPr lang="en-US" smtClean="0"/>
-              <a:t>3/26/19</a:t>
+              <a:t>3/28/19</a:t>
             </a:fld>
             <a:endParaRPr lang="en-US"/>
           </a:p>
@@ -2073,7 +2073,7 @@
           <a:p>
             <a:fld id="{B67FA609-E5F9-4043-B85C-96D162B82EC6}" type="datetimeFigureOut">
               <a:rPr lang="en-US" smtClean="0"/>
-              <a:t>3/26/19</a:t>
+              <a:t>3/28/19</a:t>
             </a:fld>
             <a:endParaRPr lang="en-US"/>
           </a:p>
@@ -2384,7 +2384,7 @@
           <a:p>
             <a:fld id="{B67FA609-E5F9-4043-B85C-96D162B82EC6}" type="datetimeFigureOut">
               <a:rPr lang="en-US" smtClean="0"/>
-              <a:t>3/26/19</a:t>
+              <a:t>3/28/19</a:t>
             </a:fld>
             <a:endParaRPr lang="en-US"/>
           </a:p>
@@ -2672,7 +2672,7 @@
           <a:p>
             <a:fld id="{B67FA609-E5F9-4043-B85C-96D162B82EC6}" type="datetimeFigureOut">
               <a:rPr lang="en-US" smtClean="0"/>
-              <a:t>3/26/19</a:t>
+              <a:t>3/28/19</a:t>
             </a:fld>
             <a:endParaRPr lang="en-US"/>
           </a:p>
@@ -2913,7 +2913,7 @@
           <a:p>
             <a:fld id="{B67FA609-E5F9-4043-B85C-96D162B82EC6}" type="datetimeFigureOut">
               <a:rPr lang="en-US" smtClean="0"/>
-              <a:t>3/26/19</a:t>
+              <a:t>3/28/19</a:t>
             </a:fld>
             <a:endParaRPr lang="en-US"/>
           </a:p>
@@ -3381,7 +3381,9 @@
         </p:nvSpPr>
         <p:spPr/>
         <p:txBody>
-          <a:bodyPr/>
+          <a:bodyPr>
+            <a:normAutofit lnSpcReduction="10000"/>
+          </a:bodyPr>
           <a:lstStyle/>
           <a:p>
             <a:r>
@@ -3391,12 +3393,36 @@
           </a:p>
           <a:p>
             <a:r>
+              <a:rPr lang="en-US" b="1" dirty="0">
+                <a:hlinkClick r:id="rId2"/>
+              </a:rPr>
+              <a:t>sbarnes@uab.edu</a:t>
+            </a:r>
+            <a:r>
+              <a:rPr lang="en-US" b="1" dirty="0"/>
+              <a:t> </a:t>
+            </a:r>
+          </a:p>
+          <a:p>
+            <a:r>
               <a:rPr lang="en-US" b="1" dirty="0" err="1"/>
               <a:t>Xiuxia</a:t>
             </a:r>
             <a:r>
               <a:rPr lang="en-US" b="1" dirty="0"/>
               <a:t> Du, PhD, UNC-Charlotte</a:t>
+            </a:r>
+          </a:p>
+          <a:p>
+            <a:r>
+              <a:rPr lang="en-US" b="1" dirty="0">
+                <a:hlinkClick r:id="rId3"/>
+              </a:rPr>
+              <a:t>Xiuxia.Du@uncc.edu</a:t>
+            </a:r>
+            <a:r>
+              <a:rPr lang="en-US" b="1" dirty="0"/>
+              <a:t> </a:t>
             </a:r>
           </a:p>
         </p:txBody>
@@ -3437,7 +3463,7 @@
           <a:p>
             <a:r>
               <a:rPr lang="en-US" sz="2400" b="1" dirty="0"/>
-              <a:t>March 27</a:t>
+              <a:t>March 28</a:t>
             </a:r>
             <a:r>
               <a:rPr lang="en-US" sz="2400" b="1" baseline="30000" dirty="0"/>
@@ -3531,23 +3557,104 @@
         </p:nvSpPr>
         <p:spPr/>
         <p:txBody>
-          <a:bodyPr/>
+          <a:bodyPr>
+            <a:normAutofit fontScale="92500" lnSpcReduction="20000"/>
+          </a:bodyPr>
           <a:lstStyle/>
           <a:p>
-            <a:r>
-              <a:rPr lang="en-US" dirty="0"/>
-              <a:t>For those of you who use Macs and the Mojave operating system may find that </a:t>
-            </a:r>
             <a:r>
               <a:rPr lang="en-US" dirty="0" err="1"/>
               <a:t>MZmine</a:t>
             </a:r>
             <a:r>
               <a:rPr lang="en-US" dirty="0"/>
+              <a:t> requires </a:t>
+            </a:r>
+            <a:r>
+              <a:rPr lang="en-US" dirty="0">
+                <a:hlinkClick r:id="rId2"/>
+              </a:rPr>
+              <a:t>Java SE runtime (JRE) version 1.7 or later</a:t>
+            </a:r>
+            <a:endParaRPr lang="en-US" dirty="0"/>
+          </a:p>
+          <a:p>
+            <a:r>
+              <a:rPr lang="en-US" dirty="0"/>
+              <a:t>Please download </a:t>
+            </a:r>
+            <a:r>
+              <a:rPr lang="en-US" dirty="0" err="1"/>
+              <a:t>MZmine</a:t>
+            </a:r>
+            <a:endParaRPr lang="en-US" dirty="0"/>
+          </a:p>
+          <a:p>
+            <a:pPr lvl="1"/>
+            <a:r>
+              <a:rPr lang="en-US" dirty="0"/>
+              <a:t>Go to </a:t>
+            </a:r>
+            <a:r>
+              <a:rPr lang="en-US" dirty="0">
+                <a:hlinkClick r:id="rId3"/>
+              </a:rPr>
+              <a:t>https://github.com/mzmine/mzmine2/releases</a:t>
+            </a:r>
+            <a:endParaRPr lang="en-US" dirty="0"/>
+          </a:p>
+          <a:p>
+            <a:pPr lvl="1"/>
+            <a:r>
+              <a:rPr lang="en-US" dirty="0"/>
+              <a:t>Scroll down to version 2.33 and download the 142 MB zip file</a:t>
+            </a:r>
+          </a:p>
+          <a:p>
+            <a:pPr lvl="1"/>
+            <a:r>
+              <a:rPr lang="en-US" dirty="0"/>
+              <a:t>Unpack the zip file and place the folder in the applications folder</a:t>
+            </a:r>
+          </a:p>
+          <a:p>
+            <a:pPr lvl="1"/>
+            <a:r>
+              <a:rPr lang="en-US" dirty="0"/>
+              <a:t>Open the folder and start </a:t>
+            </a:r>
+            <a:r>
+              <a:rPr lang="en-US" dirty="0" err="1"/>
+              <a:t>MZmine</a:t>
+            </a:r>
+            <a:r>
+              <a:rPr lang="en-US" dirty="0"/>
+              <a:t> </a:t>
+            </a:r>
+          </a:p>
+          <a:p>
+            <a:pPr lvl="2"/>
+            <a:r>
+              <a:rPr lang="en-US" dirty="0"/>
+              <a:t>There are different scripts for Windows, Mac and Linux operating systems</a:t>
+            </a:r>
+          </a:p>
+          <a:p>
+            <a:r>
+              <a:rPr lang="en-US" b="1" dirty="0"/>
+              <a:t>For those of you who use Macs and the Mojave operating system may find that </a:t>
+            </a:r>
+            <a:r>
+              <a:rPr lang="en-US" b="1" dirty="0" err="1"/>
+              <a:t>MZmine</a:t>
+            </a:r>
+            <a:r>
+              <a:rPr lang="en-US" b="1" dirty="0"/>
               <a:t> loads very slowly (5-10 min)</a:t>
             </a:r>
           </a:p>
           <a:p>
+            <a:pPr lvl="1"/>
             <a:r>
               <a:rPr lang="en-US" dirty="0"/>
               <a:t>This was not the case using Sierra and High Sierra OS</a:t>
@@ -3555,23 +3662,23 @@
           </a:p>
           <a:p>
             <a:r>
-              <a:rPr lang="en-US" dirty="0"/>
+              <a:rPr lang="en-US" b="1" dirty="0"/>
               <a:t>Mojave OS users should therefore immediately open </a:t>
             </a:r>
             <a:r>
-              <a:rPr lang="en-US" dirty="0" err="1"/>
+              <a:rPr lang="en-US" b="1" dirty="0" err="1"/>
               <a:t>MZmine</a:t>
             </a:r>
             <a:r>
-              <a:rPr lang="en-US" dirty="0"/>
+              <a:rPr lang="en-US" b="1" dirty="0"/>
               <a:t> so as to be ready when Dr. </a:t>
             </a:r>
             <a:r>
-              <a:rPr lang="en-US" dirty="0" err="1"/>
+              <a:rPr lang="en-US" b="1" dirty="0" err="1"/>
               <a:t>Xiuxia</a:t>
             </a:r>
             <a:r>
-              <a:rPr lang="en-US" dirty="0"/>
+              <a:rPr lang="en-US" b="1" dirty="0"/>
               <a:t> Du begins her section of the tutorial (the next section after this Introduction)</a:t>
             </a:r>
           </a:p>
@@ -3587,6 +3694,413 @@
   <p:clrMapOvr>
     <a:masterClrMapping/>
   </p:clrMapOvr>
+  <p:timing>
+    <p:tnLst>
+      <p:par>
+        <p:cTn id="1" dur="indefinite" restart="never" nodeType="tmRoot">
+          <p:childTnLst>
+            <p:seq concurrent="1" nextAc="seek">
+              <p:cTn id="2" dur="indefinite" nodeType="mainSeq">
+                <p:childTnLst>
+                  <p:par>
+                    <p:cTn id="3" fill="hold">
+                      <p:stCondLst>
+                        <p:cond delay="indefinite"/>
+                      </p:stCondLst>
+                      <p:childTnLst>
+                        <p:par>
+                          <p:cTn id="4" fill="hold">
+                            <p:stCondLst>
+                              <p:cond delay="0"/>
+                            </p:stCondLst>
+                            <p:childTnLst>
+                              <p:par>
+                                <p:cTn id="5" presetID="1" presetClass="entr" presetSubtype="0" fill="hold" grpId="0" nodeType="clickEffect">
+                                  <p:stCondLst>
+                                    <p:cond delay="0"/>
+                                  </p:stCondLst>
+                                  <p:childTnLst>
+                                    <p:set>
+                                      <p:cBhvr>
+                                        <p:cTn id="6" dur="1" fill="hold">
+                                          <p:stCondLst>
+                                            <p:cond delay="0"/>
+                                          </p:stCondLst>
+                                        </p:cTn>
+                                        <p:tgtEl>
+                                          <p:spTgt spid="3">
+                                            <p:txEl>
+                                              <p:pRg st="2" end="2"/>
+                                            </p:txEl>
+                                          </p:spTgt>
+                                        </p:tgtEl>
+                                        <p:attrNameLst>
+                                          <p:attrName>style.visibility</p:attrName>
+                                        </p:attrNameLst>
+                                      </p:cBhvr>
+                                      <p:to>
+                                        <p:strVal val="visible"/>
+                                      </p:to>
+                                    </p:set>
+                                  </p:childTnLst>
+                                </p:cTn>
+                              </p:par>
+                            </p:childTnLst>
+                          </p:cTn>
+                        </p:par>
+                      </p:childTnLst>
+                    </p:cTn>
+                  </p:par>
+                  <p:par>
+                    <p:cTn id="7" fill="hold">
+                      <p:stCondLst>
+                        <p:cond delay="indefinite"/>
+                      </p:stCondLst>
+                      <p:childTnLst>
+                        <p:par>
+                          <p:cTn id="8" fill="hold">
+                            <p:stCondLst>
+                              <p:cond delay="0"/>
+                            </p:stCondLst>
+                            <p:childTnLst>
+                              <p:par>
+                                <p:cTn id="9" presetID="1" presetClass="entr" presetSubtype="0" fill="hold" grpId="0" nodeType="clickEffect">
+                                  <p:stCondLst>
+                                    <p:cond delay="0"/>
+                                  </p:stCondLst>
+                                  <p:childTnLst>
+                                    <p:set>
+                                      <p:cBhvr>
+                                        <p:cTn id="10" dur="1" fill="hold">
+                                          <p:stCondLst>
+                                            <p:cond delay="0"/>
+                                          </p:stCondLst>
+                                        </p:cTn>
+                                        <p:tgtEl>
+                                          <p:spTgt spid="3">
+                                            <p:txEl>
+                                              <p:pRg st="3" end="3"/>
+                                            </p:txEl>
+                                          </p:spTgt>
+                                        </p:tgtEl>
+                                        <p:attrNameLst>
+                                          <p:attrName>style.visibility</p:attrName>
+                                        </p:attrNameLst>
+                                      </p:cBhvr>
+                                      <p:to>
+                                        <p:strVal val="visible"/>
+                                      </p:to>
+                                    </p:set>
+                                  </p:childTnLst>
+                                </p:cTn>
+                              </p:par>
+                            </p:childTnLst>
+                          </p:cTn>
+                        </p:par>
+                      </p:childTnLst>
+                    </p:cTn>
+                  </p:par>
+                  <p:par>
+                    <p:cTn id="11" fill="hold">
+                      <p:stCondLst>
+                        <p:cond delay="indefinite"/>
+                      </p:stCondLst>
+                      <p:childTnLst>
+                        <p:par>
+                          <p:cTn id="12" fill="hold">
+                            <p:stCondLst>
+                              <p:cond delay="0"/>
+                            </p:stCondLst>
+                            <p:childTnLst>
+                              <p:par>
+                                <p:cTn id="13" presetID="1" presetClass="entr" presetSubtype="0" fill="hold" grpId="0" nodeType="clickEffect">
+                                  <p:stCondLst>
+                                    <p:cond delay="0"/>
+                                  </p:stCondLst>
+                                  <p:childTnLst>
+                                    <p:set>
+                                      <p:cBhvr>
+                                        <p:cTn id="14" dur="1" fill="hold">
+                                          <p:stCondLst>
+                                            <p:cond delay="0"/>
+                                          </p:stCondLst>
+                                        </p:cTn>
+                                        <p:tgtEl>
+                                          <p:spTgt spid="3">
+                                            <p:txEl>
+                                              <p:pRg st="4" end="4"/>
+                                            </p:txEl>
+                                          </p:spTgt>
+                                        </p:tgtEl>
+                                        <p:attrNameLst>
+                                          <p:attrName>style.visibility</p:attrName>
+                                        </p:attrNameLst>
+                                      </p:cBhvr>
+                                      <p:to>
+                                        <p:strVal val="visible"/>
+                                      </p:to>
+                                    </p:set>
+                                  </p:childTnLst>
+                                </p:cTn>
+                              </p:par>
+                            </p:childTnLst>
+                          </p:cTn>
+                        </p:par>
+                      </p:childTnLst>
+                    </p:cTn>
+                  </p:par>
+                  <p:par>
+                    <p:cTn id="15" fill="hold">
+                      <p:stCondLst>
+                        <p:cond delay="indefinite"/>
+                      </p:stCondLst>
+                      <p:childTnLst>
+                        <p:par>
+                          <p:cTn id="16" fill="hold">
+                            <p:stCondLst>
+                              <p:cond delay="0"/>
+                            </p:stCondLst>
+                            <p:childTnLst>
+                              <p:par>
+                                <p:cTn id="17" presetID="1" presetClass="entr" presetSubtype="0" fill="hold" grpId="0" nodeType="clickEffect">
+                                  <p:stCondLst>
+                                    <p:cond delay="0"/>
+                                  </p:stCondLst>
+                                  <p:childTnLst>
+                                    <p:set>
+                                      <p:cBhvr>
+                                        <p:cTn id="18" dur="1" fill="hold">
+                                          <p:stCondLst>
+                                            <p:cond delay="0"/>
+                                          </p:stCondLst>
+                                        </p:cTn>
+                                        <p:tgtEl>
+                                          <p:spTgt spid="3">
+                                            <p:txEl>
+                                              <p:pRg st="5" end="5"/>
+                                            </p:txEl>
+                                          </p:spTgt>
+                                        </p:tgtEl>
+                                        <p:attrNameLst>
+                                          <p:attrName>style.visibility</p:attrName>
+                                        </p:attrNameLst>
+                                      </p:cBhvr>
+                                      <p:to>
+                                        <p:strVal val="visible"/>
+                                      </p:to>
+                                    </p:set>
+                                  </p:childTnLst>
+                                </p:cTn>
+                              </p:par>
+                              <p:par>
+                                <p:cTn id="19" presetID="1" presetClass="entr" presetSubtype="0" fill="hold" grpId="0" nodeType="withEffect">
+                                  <p:stCondLst>
+                                    <p:cond delay="0"/>
+                                  </p:stCondLst>
+                                  <p:childTnLst>
+                                    <p:set>
+                                      <p:cBhvr>
+                                        <p:cTn id="20" dur="1" fill="hold">
+                                          <p:stCondLst>
+                                            <p:cond delay="0"/>
+                                          </p:stCondLst>
+                                        </p:cTn>
+                                        <p:tgtEl>
+                                          <p:spTgt spid="3">
+                                            <p:txEl>
+                                              <p:pRg st="6" end="6"/>
+                                            </p:txEl>
+                                          </p:spTgt>
+                                        </p:tgtEl>
+                                        <p:attrNameLst>
+                                          <p:attrName>style.visibility</p:attrName>
+                                        </p:attrNameLst>
+                                      </p:cBhvr>
+                                      <p:to>
+                                        <p:strVal val="visible"/>
+                                      </p:to>
+                                    </p:set>
+                                  </p:childTnLst>
+                                </p:cTn>
+                              </p:par>
+                            </p:childTnLst>
+                          </p:cTn>
+                        </p:par>
+                      </p:childTnLst>
+                    </p:cTn>
+                  </p:par>
+                  <p:par>
+                    <p:cTn id="21" fill="hold">
+                      <p:stCondLst>
+                        <p:cond delay="indefinite"/>
+                      </p:stCondLst>
+                      <p:childTnLst>
+                        <p:par>
+                          <p:cTn id="22" fill="hold">
+                            <p:stCondLst>
+                              <p:cond delay="0"/>
+                            </p:stCondLst>
+                            <p:childTnLst>
+                              <p:par>
+                                <p:cTn id="23" presetID="1" presetClass="entr" presetSubtype="0" fill="hold" grpId="0" nodeType="clickEffect">
+                                  <p:stCondLst>
+                                    <p:cond delay="0"/>
+                                  </p:stCondLst>
+                                  <p:childTnLst>
+                                    <p:set>
+                                      <p:cBhvr>
+                                        <p:cTn id="24" dur="1" fill="hold">
+                                          <p:stCondLst>
+                                            <p:cond delay="0"/>
+                                          </p:stCondLst>
+                                        </p:cTn>
+                                        <p:tgtEl>
+                                          <p:spTgt spid="3">
+                                            <p:txEl>
+                                              <p:pRg st="7" end="7"/>
+                                            </p:txEl>
+                                          </p:spTgt>
+                                        </p:tgtEl>
+                                        <p:attrNameLst>
+                                          <p:attrName>style.visibility</p:attrName>
+                                        </p:attrNameLst>
+                                      </p:cBhvr>
+                                      <p:to>
+                                        <p:strVal val="visible"/>
+                                      </p:to>
+                                    </p:set>
+                                  </p:childTnLst>
+                                </p:cTn>
+                              </p:par>
+                            </p:childTnLst>
+                          </p:cTn>
+                        </p:par>
+                      </p:childTnLst>
+                    </p:cTn>
+                  </p:par>
+                  <p:par>
+                    <p:cTn id="25" fill="hold">
+                      <p:stCondLst>
+                        <p:cond delay="indefinite"/>
+                      </p:stCondLst>
+                      <p:childTnLst>
+                        <p:par>
+                          <p:cTn id="26" fill="hold">
+                            <p:stCondLst>
+                              <p:cond delay="0"/>
+                            </p:stCondLst>
+                            <p:childTnLst>
+                              <p:par>
+                                <p:cTn id="27" presetID="1" presetClass="entr" presetSubtype="0" fill="hold" grpId="0" nodeType="clickEffect">
+                                  <p:stCondLst>
+                                    <p:cond delay="0"/>
+                                  </p:stCondLst>
+                                  <p:childTnLst>
+                                    <p:set>
+                                      <p:cBhvr>
+                                        <p:cTn id="28" dur="1" fill="hold">
+                                          <p:stCondLst>
+                                            <p:cond delay="0"/>
+                                          </p:stCondLst>
+                                        </p:cTn>
+                                        <p:tgtEl>
+                                          <p:spTgt spid="3">
+                                            <p:txEl>
+                                              <p:pRg st="8" end="8"/>
+                                            </p:txEl>
+                                          </p:spTgt>
+                                        </p:tgtEl>
+                                        <p:attrNameLst>
+                                          <p:attrName>style.visibility</p:attrName>
+                                        </p:attrNameLst>
+                                      </p:cBhvr>
+                                      <p:to>
+                                        <p:strVal val="visible"/>
+                                      </p:to>
+                                    </p:set>
+                                  </p:childTnLst>
+                                </p:cTn>
+                              </p:par>
+                            </p:childTnLst>
+                          </p:cTn>
+                        </p:par>
+                      </p:childTnLst>
+                    </p:cTn>
+                  </p:par>
+                  <p:par>
+                    <p:cTn id="29" fill="hold">
+                      <p:stCondLst>
+                        <p:cond delay="indefinite"/>
+                      </p:stCondLst>
+                      <p:childTnLst>
+                        <p:par>
+                          <p:cTn id="30" fill="hold">
+                            <p:stCondLst>
+                              <p:cond delay="0"/>
+                            </p:stCondLst>
+                            <p:childTnLst>
+                              <p:par>
+                                <p:cTn id="31" presetID="1" presetClass="entr" presetSubtype="0" fill="hold" grpId="0" nodeType="clickEffect">
+                                  <p:stCondLst>
+                                    <p:cond delay="0"/>
+                                  </p:stCondLst>
+                                  <p:childTnLst>
+                                    <p:set>
+                                      <p:cBhvr>
+                                        <p:cTn id="32" dur="1" fill="hold">
+                                          <p:stCondLst>
+                                            <p:cond delay="0"/>
+                                          </p:stCondLst>
+                                        </p:cTn>
+                                        <p:tgtEl>
+                                          <p:spTgt spid="3">
+                                            <p:txEl>
+                                              <p:pRg st="9" end="9"/>
+                                            </p:txEl>
+                                          </p:spTgt>
+                                        </p:tgtEl>
+                                        <p:attrNameLst>
+                                          <p:attrName>style.visibility</p:attrName>
+                                        </p:attrNameLst>
+                                      </p:cBhvr>
+                                      <p:to>
+                                        <p:strVal val="visible"/>
+                                      </p:to>
+                                    </p:set>
+                                  </p:childTnLst>
+                                </p:cTn>
+                              </p:par>
+                            </p:childTnLst>
+                          </p:cTn>
+                        </p:par>
+                      </p:childTnLst>
+                    </p:cTn>
+                  </p:par>
+                </p:childTnLst>
+              </p:cTn>
+              <p:prevCondLst>
+                <p:cond evt="onPrev" delay="0">
+                  <p:tgtEl>
+                    <p:sldTgt/>
+                  </p:tgtEl>
+                </p:cond>
+              </p:prevCondLst>
+              <p:nextCondLst>
+                <p:cond evt="onNext" delay="0">
+                  <p:tgtEl>
+                    <p:sldTgt/>
+                  </p:tgtEl>
+                </p:cond>
+              </p:nextCondLst>
+            </p:seq>
+          </p:childTnLst>
+        </p:cTn>
+      </p:par>
+    </p:tnLst>
+    <p:bldLst>
+      <p:bldP spid="3" grpId="0" uiExpand="1" build="p" bldLvl="2"/>
+    </p:bldLst>
+  </p:timing>
 </p:sld>
 </file>
 
@@ -4724,6 +5238,57 @@
               <a:rPr lang="en-US" sz="2400" dirty="0"/>
               <a:t>Integrated -omics</a:t>
             </a:r>
+          </a:p>
+        </p:txBody>
+      </p:sp>
+      <p:sp>
+        <p:nvSpPr>
+          <p:cNvPr id="2" name="Rectangle 1">
+            <a:extLst>
+              <a:ext uri="{FF2B5EF4-FFF2-40B4-BE49-F238E27FC236}">
+                <a16:creationId xmlns:a16="http://schemas.microsoft.com/office/drawing/2014/main" id="{6B63C527-6CD7-C641-BE3C-DDF422DAB493}"/>
+              </a:ext>
+            </a:extLst>
+          </p:cNvPr>
+          <p:cNvSpPr/>
+          <p:nvPr/>
+        </p:nvSpPr>
+        <p:spPr>
+          <a:xfrm>
+            <a:off x="4824818" y="4872321"/>
+            <a:ext cx="5924037" cy="1754327"/>
+          </a:xfrm>
+          <a:prstGeom prst="rect">
+            <a:avLst/>
+          </a:prstGeom>
+          <a:solidFill>
+            <a:srgbClr val="FF0000">
+              <a:alpha val="20000"/>
+            </a:srgbClr>
+          </a:solidFill>
+        </p:spPr>
+        <p:style>
+          <a:lnRef idx="2">
+            <a:schemeClr val="accent1">
+              <a:shade val="50000"/>
+            </a:schemeClr>
+          </a:lnRef>
+          <a:fillRef idx="1">
+            <a:schemeClr val="accent1"/>
+          </a:fillRef>
+          <a:effectRef idx="0">
+            <a:schemeClr val="accent1"/>
+          </a:effectRef>
+          <a:fontRef idx="minor">
+            <a:schemeClr val="lt1"/>
+          </a:fontRef>
+        </p:style>
+        <p:txBody>
+          <a:bodyPr rtlCol="0" anchor="ctr"/>
+          <a:lstStyle/>
+          <a:p>
+            <a:pPr algn="ctr"/>
+            <a:endParaRPr lang="en-US"/>
           </a:p>
         </p:txBody>
       </p:sp>
@@ -5259,6 +5824,51 @@
                       </p:childTnLst>
                     </p:cTn>
                   </p:par>
+                  <p:par>
+                    <p:cTn id="51" fill="hold">
+                      <p:stCondLst>
+                        <p:cond delay="indefinite"/>
+                      </p:stCondLst>
+                      <p:childTnLst>
+                        <p:par>
+                          <p:cTn id="52" fill="hold">
+                            <p:stCondLst>
+                              <p:cond delay="0"/>
+                            </p:stCondLst>
+                            <p:childTnLst>
+                              <p:par>
+                                <p:cTn id="53" presetID="1" presetClass="entr" presetSubtype="0" fill="hold" grpId="0" nodeType="clickEffect">
+                                  <p:stCondLst>
+                                    <p:cond delay="0"/>
+                                  </p:stCondLst>
+                                  <p:childTnLst>
+                                    <p:set>
+                                      <p:cBhvr>
+                                        <p:cTn id="54" dur="1" fill="hold">
+                                          <p:stCondLst>
+                                            <p:cond delay="0"/>
+                                          </p:stCondLst>
+                                        </p:cTn>
+                                        <p:tgtEl>
+                                          <p:spTgt spid="2"/>
+                                        </p:tgtEl>
+                                        <p:attrNameLst>
+                                          <p:attrName>style.visibility</p:attrName>
+                                        </p:attrNameLst>
+                                      </p:cBhvr>
+                                      <p:to>
+                                        <p:strVal val="visible"/>
+                                      </p:to>
+                                    </p:set>
+                                  </p:childTnLst>
+                                </p:cTn>
+                              </p:par>
+                            </p:childTnLst>
+                          </p:cTn>
+                        </p:par>
+                      </p:childTnLst>
+                    </p:cTn>
+                  </p:par>
                 </p:childTnLst>
               </p:cTn>
               <p:prevCondLst>
@@ -5283,6 +5893,7 @@
     <p:bldLst>
       <p:bldP spid="33" grpId="0"/>
       <p:bldP spid="34" grpId="0"/>
+      <p:bldP spid="2" grpId="0" animBg="1"/>
     </p:bldLst>
   </p:timing>
 </p:sld>
@@ -5383,13 +5994,16 @@
             <a:pPr algn="ctr"/>
             <a:r>
               <a:rPr lang="en-US" sz="2400" b="1" dirty="0"/>
-              <a:t>Data inspection with </a:t>
+              <a:t>Data inspection and Analysis with </a:t>
             </a:r>
             <a:r>
               <a:rPr lang="en-US" sz="2400" b="1" dirty="0" err="1"/>
-              <a:t>MZmine</a:t>
-            </a:r>
-            <a:endParaRPr lang="en-US" sz="2400" b="1" dirty="0"/>
+              <a:t>Mzmine</a:t>
+            </a:r>
+            <a:r>
+              <a:rPr lang="en-US" sz="2400" b="1" dirty="0"/>
+              <a:t> 2</a:t>
+            </a:r>
           </a:p>
           <a:p>
             <a:pPr algn="ctr"/>
@@ -5533,6 +6147,73 @@
           </a:p>
         </p:txBody>
       </p:sp>
+      <p:sp>
+        <p:nvSpPr>
+          <p:cNvPr id="2" name="Rectangle 1">
+            <a:extLst>
+              <a:ext uri="{FF2B5EF4-FFF2-40B4-BE49-F238E27FC236}">
+                <a16:creationId xmlns:a16="http://schemas.microsoft.com/office/drawing/2014/main" id="{46ABA447-9C0D-654F-BC1F-1EEB678B11D3}"/>
+              </a:ext>
+            </a:extLst>
+          </p:cNvPr>
+          <p:cNvSpPr/>
+          <p:nvPr/>
+        </p:nvSpPr>
+        <p:spPr>
+          <a:xfrm>
+            <a:off x="838200" y="4262034"/>
+            <a:ext cx="3935278" cy="1890793"/>
+          </a:xfrm>
+          <a:prstGeom prst="rect">
+            <a:avLst/>
+          </a:prstGeom>
+          <a:solidFill>
+            <a:srgbClr val="7030A0"/>
+          </a:solidFill>
+        </p:spPr>
+        <p:style>
+          <a:lnRef idx="2">
+            <a:schemeClr val="accent1">
+              <a:shade val="50000"/>
+            </a:schemeClr>
+          </a:lnRef>
+          <a:fillRef idx="1">
+            <a:schemeClr val="accent1"/>
+          </a:fillRef>
+          <a:effectRef idx="0">
+            <a:schemeClr val="accent1"/>
+          </a:effectRef>
+          <a:fontRef idx="minor">
+            <a:schemeClr val="lt1"/>
+          </a:fontRef>
+        </p:style>
+        <p:txBody>
+          <a:bodyPr rtlCol="0" anchor="ctr"/>
+          <a:lstStyle/>
+          <a:p>
+            <a:pPr algn="ctr"/>
+            <a:r>
+              <a:rPr lang="en-US" sz="2400" b="1" dirty="0"/>
+              <a:t>Mummichog on different platforms</a:t>
+            </a:r>
+          </a:p>
+          <a:p>
+            <a:pPr algn="ctr"/>
+            <a:r>
+              <a:rPr lang="en-US" sz="2400" b="1" dirty="0"/>
+              <a:t>Steve Barnes/</a:t>
+            </a:r>
+            <a:r>
+              <a:rPr lang="en-US" sz="2400" b="1" dirty="0" err="1"/>
+              <a:t>Xiuxia</a:t>
+            </a:r>
+            <a:r>
+              <a:rPr lang="en-US" sz="2400" b="1" dirty="0"/>
+              <a:t> Du</a:t>
+            </a:r>
+          </a:p>
+        </p:txBody>
+      </p:sp>
     </p:spTree>
     <p:extLst>
       <p:ext uri="{BB962C8B-B14F-4D97-AF65-F5344CB8AC3E}">
@@ -5543,6 +6224,222 @@
   <p:clrMapOvr>
     <a:masterClrMapping/>
   </p:clrMapOvr>
+  <p:timing>
+    <p:tnLst>
+      <p:par>
+        <p:cTn id="1" dur="indefinite" restart="never" nodeType="tmRoot">
+          <p:childTnLst>
+            <p:seq concurrent="1" nextAc="seek">
+              <p:cTn id="2" dur="indefinite" nodeType="mainSeq">
+                <p:childTnLst>
+                  <p:par>
+                    <p:cTn id="3" fill="hold">
+                      <p:stCondLst>
+                        <p:cond delay="indefinite"/>
+                      </p:stCondLst>
+                      <p:childTnLst>
+                        <p:par>
+                          <p:cTn id="4" fill="hold">
+                            <p:stCondLst>
+                              <p:cond delay="0"/>
+                            </p:stCondLst>
+                            <p:childTnLst>
+                              <p:par>
+                                <p:cTn id="5" presetID="1" presetClass="entr" presetSubtype="0" fill="hold" grpId="0" nodeType="clickEffect">
+                                  <p:stCondLst>
+                                    <p:cond delay="0"/>
+                                  </p:stCondLst>
+                                  <p:childTnLst>
+                                    <p:set>
+                                      <p:cBhvr>
+                                        <p:cTn id="6" dur="1" fill="hold">
+                                          <p:stCondLst>
+                                            <p:cond delay="0"/>
+                                          </p:stCondLst>
+                                        </p:cTn>
+                                        <p:tgtEl>
+                                          <p:spTgt spid="5"/>
+                                        </p:tgtEl>
+                                        <p:attrNameLst>
+                                          <p:attrName>style.visibility</p:attrName>
+                                        </p:attrNameLst>
+                                      </p:cBhvr>
+                                      <p:to>
+                                        <p:strVal val="visible"/>
+                                      </p:to>
+                                    </p:set>
+                                  </p:childTnLst>
+                                </p:cTn>
+                              </p:par>
+                            </p:childTnLst>
+                          </p:cTn>
+                        </p:par>
+                      </p:childTnLst>
+                    </p:cTn>
+                  </p:par>
+                  <p:par>
+                    <p:cTn id="7" fill="hold">
+                      <p:stCondLst>
+                        <p:cond delay="indefinite"/>
+                      </p:stCondLst>
+                      <p:childTnLst>
+                        <p:par>
+                          <p:cTn id="8" fill="hold">
+                            <p:stCondLst>
+                              <p:cond delay="0"/>
+                            </p:stCondLst>
+                            <p:childTnLst>
+                              <p:par>
+                                <p:cTn id="9" presetID="1" presetClass="entr" presetSubtype="0" fill="hold" grpId="0" nodeType="clickEffect">
+                                  <p:stCondLst>
+                                    <p:cond delay="0"/>
+                                  </p:stCondLst>
+                                  <p:childTnLst>
+                                    <p:set>
+                                      <p:cBhvr>
+                                        <p:cTn id="10" dur="1" fill="hold">
+                                          <p:stCondLst>
+                                            <p:cond delay="0"/>
+                                          </p:stCondLst>
+                                        </p:cTn>
+                                        <p:tgtEl>
+                                          <p:spTgt spid="6"/>
+                                        </p:tgtEl>
+                                        <p:attrNameLst>
+                                          <p:attrName>style.visibility</p:attrName>
+                                        </p:attrNameLst>
+                                      </p:cBhvr>
+                                      <p:to>
+                                        <p:strVal val="visible"/>
+                                      </p:to>
+                                    </p:set>
+                                  </p:childTnLst>
+                                </p:cTn>
+                              </p:par>
+                            </p:childTnLst>
+                          </p:cTn>
+                        </p:par>
+                      </p:childTnLst>
+                    </p:cTn>
+                  </p:par>
+                  <p:par>
+                    <p:cTn id="11" fill="hold">
+                      <p:stCondLst>
+                        <p:cond delay="indefinite"/>
+                      </p:stCondLst>
+                      <p:childTnLst>
+                        <p:par>
+                          <p:cTn id="12" fill="hold">
+                            <p:stCondLst>
+                              <p:cond delay="0"/>
+                            </p:stCondLst>
+                            <p:childTnLst>
+                              <p:par>
+                                <p:cTn id="13" presetID="1" presetClass="entr" presetSubtype="0" fill="hold" grpId="0" nodeType="clickEffect">
+                                  <p:stCondLst>
+                                    <p:cond delay="0"/>
+                                  </p:stCondLst>
+                                  <p:childTnLst>
+                                    <p:set>
+                                      <p:cBhvr>
+                                        <p:cTn id="14" dur="1" fill="hold">
+                                          <p:stCondLst>
+                                            <p:cond delay="0"/>
+                                          </p:stCondLst>
+                                        </p:cTn>
+                                        <p:tgtEl>
+                                          <p:spTgt spid="7"/>
+                                        </p:tgtEl>
+                                        <p:attrNameLst>
+                                          <p:attrName>style.visibility</p:attrName>
+                                        </p:attrNameLst>
+                                      </p:cBhvr>
+                                      <p:to>
+                                        <p:strVal val="visible"/>
+                                      </p:to>
+                                    </p:set>
+                                  </p:childTnLst>
+                                </p:cTn>
+                              </p:par>
+                            </p:childTnLst>
+                          </p:cTn>
+                        </p:par>
+                      </p:childTnLst>
+                    </p:cTn>
+                  </p:par>
+                  <p:par>
+                    <p:cTn id="15" fill="hold">
+                      <p:stCondLst>
+                        <p:cond delay="indefinite"/>
+                      </p:stCondLst>
+                      <p:childTnLst>
+                        <p:par>
+                          <p:cTn id="16" fill="hold">
+                            <p:stCondLst>
+                              <p:cond delay="0"/>
+                            </p:stCondLst>
+                            <p:childTnLst>
+                              <p:par>
+                                <p:cTn id="17" presetID="1" presetClass="entr" presetSubtype="0" fill="hold" grpId="0" nodeType="clickEffect">
+                                  <p:stCondLst>
+                                    <p:cond delay="0"/>
+                                  </p:stCondLst>
+                                  <p:childTnLst>
+                                    <p:set>
+                                      <p:cBhvr>
+                                        <p:cTn id="18" dur="1" fill="hold">
+                                          <p:stCondLst>
+                                            <p:cond delay="0"/>
+                                          </p:stCondLst>
+                                        </p:cTn>
+                                        <p:tgtEl>
+                                          <p:spTgt spid="2"/>
+                                        </p:tgtEl>
+                                        <p:attrNameLst>
+                                          <p:attrName>style.visibility</p:attrName>
+                                        </p:attrNameLst>
+                                      </p:cBhvr>
+                                      <p:to>
+                                        <p:strVal val="visible"/>
+                                      </p:to>
+                                    </p:set>
+                                  </p:childTnLst>
+                                </p:cTn>
+                              </p:par>
+                            </p:childTnLst>
+                          </p:cTn>
+                        </p:par>
+                      </p:childTnLst>
+                    </p:cTn>
+                  </p:par>
+                </p:childTnLst>
+              </p:cTn>
+              <p:prevCondLst>
+                <p:cond evt="onPrev" delay="0">
+                  <p:tgtEl>
+                    <p:sldTgt/>
+                  </p:tgtEl>
+                </p:cond>
+              </p:prevCondLst>
+              <p:nextCondLst>
+                <p:cond evt="onNext" delay="0">
+                  <p:tgtEl>
+                    <p:sldTgt/>
+                  </p:tgtEl>
+                </p:cond>
+              </p:nextCondLst>
+            </p:seq>
+          </p:childTnLst>
+        </p:cTn>
+      </p:par>
+    </p:tnLst>
+    <p:bldLst>
+      <p:bldP spid="5" grpId="0" animBg="1"/>
+      <p:bldP spid="6" grpId="0" animBg="1"/>
+      <p:bldP spid="7" grpId="0" animBg="1"/>
+      <p:bldP spid="2" grpId="0" animBg="1"/>
+    </p:bldLst>
+  </p:timing>
 </p:sld>
 </file>
 
@@ -5592,7 +6489,25 @@
                 </a:solidFill>
                 <a:latin typeface="+mn-lt"/>
               </a:rPr>
-              <a:t>Data files are available on </a:t>
+              <a:t>Files and </a:t>
+            </a:r>
+            <a:r>
+              <a:rPr lang="en-US" b="1" dirty="0" err="1">
+                <a:solidFill>
+                  <a:srgbClr val="FF0000"/>
+                </a:solidFill>
+                <a:latin typeface="+mn-lt"/>
+              </a:rPr>
+              <a:t>Mzmine</a:t>
+            </a:r>
+            <a:r>
+              <a:rPr lang="en-US" b="1" dirty="0">
+                <a:solidFill>
+                  <a:srgbClr val="FF0000"/>
+                </a:solidFill>
+                <a:latin typeface="+mn-lt"/>
+              </a:rPr>
+              <a:t> 2 are available via </a:t>
             </a:r>
             <a:r>
               <a:rPr lang="en-US" b="1" dirty="0" err="1">

--- a/MCBIOS tutorial introduction.pptx
+++ b/MCBIOS tutorial introduction.pptx
@@ -5998,7 +5998,7 @@
             </a:r>
             <a:r>
               <a:rPr lang="en-US" sz="2400" b="1" dirty="0" err="1"/>
-              <a:t>Mzmine</a:t>
+              <a:t>MZmine</a:t>
             </a:r>
             <a:r>
               <a:rPr lang="en-US" sz="2400" b="1" dirty="0"/>
